--- a/Slides and 1-pagers/Week 5_Panel_Data_FE.pptx
+++ b/Slides and 1-pagers/Week 5_Panel_Data_FE.pptx
@@ -46,6 +46,9 @@
     <p:sldId id="291" r:id="rId43"/>
     <p:sldId id="292" r:id="rId44"/>
     <p:sldId id="293" r:id="rId45"/>
+    <p:sldId id="294" r:id="rId46"/>
+    <p:sldId id="295" r:id="rId47"/>
+    <p:sldId id="296" r:id="rId48"/>
   </p:sldIdLst>
   <p:sldSz cx="24384000" cy="13716000"/>
   <p:notesSz cx="6858000" cy="9144000"/>
@@ -18901,7 +18904,7 @@
       </p:grpSpPr>
       <p:sp>
         <p:nvSpPr>
-          <p:cNvPr id="265" name="Example: Stata Exercise"/>
+          <p:cNvPr id="265" name="Example"/>
           <p:cNvSpPr txBox="1"/>
           <p:nvPr>
             <p:ph type="title"/>
@@ -18918,14 +18921,14 @@
           <a:p>
             <a:pPr/>
             <a:r>
-              <a:t>Example: Stata Exercise</a:t>
+              <a:t>Example</a:t>
             </a:r>
           </a:p>
         </p:txBody>
       </p:sp>
       <p:sp>
         <p:nvSpPr>
-          <p:cNvPr id="266" name="Stata Exercise"/>
+          <p:cNvPr id="266" name="Stata Exercise (Cunningham and Kendall, 2011, 2014, 2016)"/>
           <p:cNvSpPr txBox="1"/>
           <p:nvPr>
             <p:ph type="body" idx="1"/>
@@ -18944,9 +18947,50 @@
             <a:r>
               <a:t>Stata Exercise</a:t>
             </a:r>
+            <a:br/>
+            <a:r>
+              <a:t>(Cunningham and</a:t>
+            </a:r>
+            <a:br/>
+            <a:r>
+              <a:t>Kendall, 2011,</a:t>
+            </a:r>
+            <a:br/>
+            <a:r>
+              <a:t>2014, 2016)</a:t>
+            </a:r>
           </a:p>
         </p:txBody>
       </p:sp>
+      <p:pic>
+        <p:nvPicPr>
+          <p:cNvPr id="267" name="Image" descr="Image"/>
+          <p:cNvPicPr>
+            <a:picLocks noChangeAspect="1"/>
+          </p:cNvPicPr>
+          <p:nvPr/>
+        </p:nvPicPr>
+        <p:blipFill>
+          <a:blip r:embed="rId2">
+            <a:extLst/>
+          </a:blip>
+          <a:stretch>
+            <a:fillRect/>
+          </a:stretch>
+        </p:blipFill>
+        <p:spPr>
+          <a:xfrm>
+            <a:off x="7393424" y="830617"/>
+            <a:ext cx="12141113" cy="12488002"/>
+          </a:xfrm>
+          <a:prstGeom prst="rect">
+            <a:avLst/>
+          </a:prstGeom>
+          <a:ln w="12700">
+            <a:miter lim="400000"/>
+          </a:ln>
+        </p:spPr>
+      </p:pic>
     </p:spTree>
   </p:cSld>
   <p:clrMapOvr>
@@ -18975,7 +19019,7 @@
       </p:grpSpPr>
       <p:sp>
         <p:nvSpPr>
-          <p:cNvPr id="268" name="Concluding Remarks"/>
+          <p:cNvPr id="269" name="Example"/>
           <p:cNvSpPr txBox="1"/>
           <p:nvPr>
             <p:ph type="title"/>
@@ -18992,14 +19036,14 @@
           <a:p>
             <a:pPr/>
             <a:r>
-              <a:t>Concluding Remarks</a:t>
+              <a:t>Example</a:t>
             </a:r>
           </a:p>
         </p:txBody>
       </p:sp>
       <p:sp>
         <p:nvSpPr>
-          <p:cNvPr id="269" name="Fixed Effects (Within) Estimator can be a powerful tool…"/>
+          <p:cNvPr id="270" name="Stata Exercise (Cunningham and Kendall, 2011, 2014, 2016)"/>
           <p:cNvSpPr txBox="1"/>
           <p:nvPr>
             <p:ph type="body" idx="1"/>
@@ -19014,84 +19058,169 @@
           <a:bodyPr/>
           <a:lstStyle/>
           <a:p>
-            <a:pPr marL="566927" indent="-566927" defTabSz="2267655">
-              <a:spcBef>
-                <a:spcPts val="4100"/>
-              </a:spcBef>
-              <a:defRPr sz="4464"/>
-            </a:pPr>
-            <a:r>
-              <a:t>Fixed Effects (Within) Estimator can be a powerful tool  </a:t>
-            </a:r>
-          </a:p>
-          <a:p>
-            <a:pPr marL="566927" indent="-566927" defTabSz="2267655">
-              <a:spcBef>
-                <a:spcPts val="4100"/>
-              </a:spcBef>
-              <a:defRPr sz="4464"/>
-            </a:pPr>
-            <a:r>
-              <a:t>May not be utilized enough in federal evaluations</a:t>
-            </a:r>
-          </a:p>
-          <a:p>
-            <a:pPr lvl="1" marL="1133855" indent="-566927" defTabSz="2267655">
-              <a:spcBef>
-                <a:spcPts val="4100"/>
-              </a:spcBef>
-              <a:defRPr sz="4464"/>
-            </a:pPr>
-            <a:r>
-              <a:t>Unlike PSM, fixed effects can control for some unobservable confounders</a:t>
-            </a:r>
-          </a:p>
-          <a:p>
-            <a:pPr marL="566927" indent="-566927" defTabSz="2267655">
-              <a:spcBef>
-                <a:spcPts val="4100"/>
-              </a:spcBef>
-              <a:defRPr sz="4464"/>
-            </a:pPr>
-            <a:r>
-              <a:t>As long as </a:t>
-            </a:r>
-          </a:p>
-          <a:p>
-            <a:pPr lvl="1" marL="1133855" indent="-566927" defTabSz="2267655">
-              <a:spcBef>
-                <a:spcPts val="4100"/>
-              </a:spcBef>
-              <a:defRPr sz="4464"/>
-            </a:pPr>
-            <a:r>
-              <a:t>1) There are no time-varying confounders, you have a straight-forward methodology that can identify the causal effect</a:t>
-            </a:r>
-          </a:p>
-          <a:p>
-            <a:pPr lvl="1" marL="1133855" indent="-566927" defTabSz="2267655">
-              <a:spcBef>
-                <a:spcPts val="4100"/>
-              </a:spcBef>
-              <a:defRPr sz="4464"/>
-            </a:pPr>
-            <a:r>
-              <a:t>2) There is no reverse causality</a:t>
-            </a:r>
-          </a:p>
-          <a:p>
-            <a:pPr lvl="2" marL="1700783" indent="-566927" defTabSz="2267655">
-              <a:spcBef>
-                <a:spcPts val="4100"/>
-              </a:spcBef>
-              <a:defRPr sz="4464"/>
-            </a:pPr>
-            <a:r>
-              <a:t>This will require an instrumental variable strategy</a:t>
+            <a:pPr/>
+            <a:r>
+              <a:t>Stata Exercise</a:t>
+            </a:r>
+            <a:br/>
+            <a:r>
+              <a:t>(Cunningham and</a:t>
+            </a:r>
+            <a:br/>
+            <a:r>
+              <a:t>Kendall, 2011,</a:t>
+            </a:r>
+            <a:br/>
+            <a:r>
+              <a:t>2014, 2016)</a:t>
             </a:r>
           </a:p>
         </p:txBody>
       </p:sp>
+      <p:pic>
+        <p:nvPicPr>
+          <p:cNvPr id="271" name="Image" descr="Image"/>
+          <p:cNvPicPr>
+            <a:picLocks noChangeAspect="1"/>
+          </p:cNvPicPr>
+          <p:nvPr/>
+        </p:nvPicPr>
+        <p:blipFill>
+          <a:blip r:embed="rId2">
+            <a:extLst/>
+          </a:blip>
+          <a:stretch>
+            <a:fillRect/>
+          </a:stretch>
+        </p:blipFill>
+        <p:spPr>
+          <a:xfrm>
+            <a:off x="7599098" y="866524"/>
+            <a:ext cx="12639201" cy="12505956"/>
+          </a:xfrm>
+          <a:prstGeom prst="rect">
+            <a:avLst/>
+          </a:prstGeom>
+          <a:ln w="12700">
+            <a:miter lim="400000"/>
+          </a:ln>
+        </p:spPr>
+      </p:pic>
+    </p:spTree>
+  </p:cSld>
+  <p:clrMapOvr>
+    <a:masterClrMapping/>
+  </p:clrMapOvr>
+  <p:transition xmlns:p14="http://schemas.microsoft.com/office/powerpoint/2010/main" spd="med" advClick="1"/>
+</p:sld>
+</file>
+
+<file path=ppt/slides/slide39.xml><?xml version="1.0" encoding="utf-8"?>
+<p:sld xmlns:a="http://schemas.openxmlformats.org/drawingml/2006/main" xmlns:r="http://schemas.openxmlformats.org/officeDocument/2006/relationships" xmlns:p="http://schemas.openxmlformats.org/presentationml/2006/main" xmlns:m="http://schemas.openxmlformats.org/officeDocument/2006/math" xmlns:a14="http://schemas.microsoft.com/office/drawing/2010/main" showMasterSp="1" showMasterPhAnim="1">
+  <p:cSld>
+    <p:spTree>
+      <p:nvGrpSpPr>
+        <p:cNvPr id="1" name=""/>
+        <p:cNvGrpSpPr/>
+        <p:nvPr/>
+      </p:nvGrpSpPr>
+      <p:grpSpPr>
+        <a:xfrm>
+          <a:off x="0" y="0"/>
+          <a:ext cx="0" cy="0"/>
+          <a:chOff x="0" y="0"/>
+          <a:chExt cx="0" cy="0"/>
+        </a:xfrm>
+      </p:grpSpPr>
+      <p:sp>
+        <p:nvSpPr>
+          <p:cNvPr id="273" name="Example"/>
+          <p:cNvSpPr txBox="1"/>
+          <p:nvPr>
+            <p:ph type="title"/>
+          </p:nvPr>
+        </p:nvSpPr>
+        <p:spPr>
+          <a:prstGeom prst="rect">
+            <a:avLst/>
+          </a:prstGeom>
+        </p:spPr>
+        <p:txBody>
+          <a:bodyPr/>
+          <a:lstStyle/>
+          <a:p>
+            <a:pPr/>
+            <a:r>
+              <a:t>Example</a:t>
+            </a:r>
+          </a:p>
+        </p:txBody>
+      </p:sp>
+      <p:sp>
+        <p:nvSpPr>
+          <p:cNvPr id="274" name="Stata Exercise (Cunningham and Kendall, 2011, 2014, 2016)"/>
+          <p:cNvSpPr txBox="1"/>
+          <p:nvPr>
+            <p:ph type="body" idx="1"/>
+          </p:nvPr>
+        </p:nvSpPr>
+        <p:spPr>
+          <a:prstGeom prst="rect">
+            <a:avLst/>
+          </a:prstGeom>
+        </p:spPr>
+        <p:txBody>
+          <a:bodyPr/>
+          <a:lstStyle/>
+          <a:p>
+            <a:pPr/>
+            <a:r>
+              <a:t>Stata Exercise</a:t>
+            </a:r>
+            <a:br/>
+            <a:r>
+              <a:t>(Cunningham and</a:t>
+            </a:r>
+            <a:br/>
+            <a:r>
+              <a:t>Kendall, 2011,</a:t>
+            </a:r>
+            <a:br/>
+            <a:r>
+              <a:t>2014, 2016)</a:t>
+            </a:r>
+          </a:p>
+        </p:txBody>
+      </p:sp>
+      <p:pic>
+        <p:nvPicPr>
+          <p:cNvPr id="275" name="Image" descr="Image"/>
+          <p:cNvPicPr>
+            <a:picLocks noChangeAspect="1"/>
+          </p:cNvPicPr>
+          <p:nvPr/>
+        </p:nvPicPr>
+        <p:blipFill>
+          <a:blip r:embed="rId2">
+            <a:extLst/>
+          </a:blip>
+          <a:stretch>
+            <a:fillRect/>
+          </a:stretch>
+        </p:blipFill>
+        <p:spPr>
+          <a:xfrm>
+            <a:off x="7368180" y="622905"/>
+            <a:ext cx="12749851" cy="12653554"/>
+          </a:xfrm>
+          <a:prstGeom prst="rect">
+            <a:avLst/>
+          </a:prstGeom>
+          <a:ln w="12700">
+            <a:miter lim="400000"/>
+          </a:ln>
+        </p:spPr>
+      </p:pic>
     </p:spTree>
   </p:cSld>
   <p:clrMapOvr>
@@ -19244,6 +19373,266 @@
             </a:pPr>
             <a:r>
               <a:t>Rank Assumption (covariates must vary - testable)</a:t>
+            </a:r>
+          </a:p>
+        </p:txBody>
+      </p:sp>
+    </p:spTree>
+  </p:cSld>
+  <p:clrMapOvr>
+    <a:masterClrMapping/>
+  </p:clrMapOvr>
+  <p:transition xmlns:p14="http://schemas.microsoft.com/office/powerpoint/2010/main" spd="med" advClick="1"/>
+</p:sld>
+</file>
+
+<file path=ppt/slides/slide40.xml><?xml version="1.0" encoding="utf-8"?>
+<p:sld xmlns:a="http://schemas.openxmlformats.org/drawingml/2006/main" xmlns:r="http://schemas.openxmlformats.org/officeDocument/2006/relationships" xmlns:p="http://schemas.openxmlformats.org/presentationml/2006/main" xmlns:m="http://schemas.openxmlformats.org/officeDocument/2006/math" xmlns:a14="http://schemas.microsoft.com/office/drawing/2010/main" showMasterSp="1" showMasterPhAnim="1">
+  <p:cSld>
+    <p:spTree>
+      <p:nvGrpSpPr>
+        <p:cNvPr id="1" name=""/>
+        <p:cNvGrpSpPr/>
+        <p:nvPr/>
+      </p:nvGrpSpPr>
+      <p:grpSpPr>
+        <a:xfrm>
+          <a:off x="0" y="0"/>
+          <a:ext cx="0" cy="0"/>
+          <a:chOff x="0" y="0"/>
+          <a:chExt cx="0" cy="0"/>
+        </a:xfrm>
+      </p:grpSpPr>
+      <p:sp>
+        <p:nvSpPr>
+          <p:cNvPr id="277" name="Example"/>
+          <p:cNvSpPr txBox="1"/>
+          <p:nvPr>
+            <p:ph type="title"/>
+          </p:nvPr>
+        </p:nvSpPr>
+        <p:spPr>
+          <a:prstGeom prst="rect">
+            <a:avLst/>
+          </a:prstGeom>
+        </p:spPr>
+        <p:txBody>
+          <a:bodyPr/>
+          <a:lstStyle/>
+          <a:p>
+            <a:pPr/>
+            <a:r>
+              <a:t>Example</a:t>
+            </a:r>
+          </a:p>
+        </p:txBody>
+      </p:sp>
+      <p:sp>
+        <p:nvSpPr>
+          <p:cNvPr id="278" name="Stata Exercise (Cunningham and Kendall, 2011, 2014, 2016)"/>
+          <p:cNvSpPr txBox="1"/>
+          <p:nvPr>
+            <p:ph type="body" idx="1"/>
+          </p:nvPr>
+        </p:nvSpPr>
+        <p:spPr>
+          <a:prstGeom prst="rect">
+            <a:avLst/>
+          </a:prstGeom>
+        </p:spPr>
+        <p:txBody>
+          <a:bodyPr/>
+          <a:lstStyle/>
+          <a:p>
+            <a:pPr/>
+            <a:r>
+              <a:t>Stata Exercise</a:t>
+            </a:r>
+            <a:br/>
+            <a:r>
+              <a:t>(Cunningham and</a:t>
+            </a:r>
+            <a:br/>
+            <a:r>
+              <a:t>Kendall, 2011,</a:t>
+            </a:r>
+            <a:br/>
+            <a:r>
+              <a:t>2014, 2016)</a:t>
+            </a:r>
+          </a:p>
+        </p:txBody>
+      </p:sp>
+      <p:pic>
+        <p:nvPicPr>
+          <p:cNvPr id="279" name="Image" descr="Image"/>
+          <p:cNvPicPr>
+            <a:picLocks noChangeAspect="1"/>
+          </p:cNvPicPr>
+          <p:nvPr/>
+        </p:nvPicPr>
+        <p:blipFill>
+          <a:blip r:embed="rId2">
+            <a:extLst/>
+          </a:blip>
+          <a:stretch>
+            <a:fillRect/>
+          </a:stretch>
+        </p:blipFill>
+        <p:spPr>
+          <a:xfrm>
+            <a:off x="7545357" y="669206"/>
+            <a:ext cx="11874391" cy="12717438"/>
+          </a:xfrm>
+          <a:prstGeom prst="rect">
+            <a:avLst/>
+          </a:prstGeom>
+          <a:ln w="12700">
+            <a:miter lim="400000"/>
+          </a:ln>
+        </p:spPr>
+      </p:pic>
+    </p:spTree>
+  </p:cSld>
+  <p:clrMapOvr>
+    <a:masterClrMapping/>
+  </p:clrMapOvr>
+  <p:transition xmlns:p14="http://schemas.microsoft.com/office/powerpoint/2010/main" spd="med" advClick="1"/>
+</p:sld>
+</file>
+
+<file path=ppt/slides/slide41.xml><?xml version="1.0" encoding="utf-8"?>
+<p:sld xmlns:a="http://schemas.openxmlformats.org/drawingml/2006/main" xmlns:r="http://schemas.openxmlformats.org/officeDocument/2006/relationships" xmlns:p="http://schemas.openxmlformats.org/presentationml/2006/main" xmlns:m="http://schemas.openxmlformats.org/officeDocument/2006/math" xmlns:a14="http://schemas.microsoft.com/office/drawing/2010/main" showMasterSp="1" showMasterPhAnim="1">
+  <p:cSld>
+    <p:spTree>
+      <p:nvGrpSpPr>
+        <p:cNvPr id="1" name=""/>
+        <p:cNvGrpSpPr/>
+        <p:nvPr/>
+      </p:nvGrpSpPr>
+      <p:grpSpPr>
+        <a:xfrm>
+          <a:off x="0" y="0"/>
+          <a:ext cx="0" cy="0"/>
+          <a:chOff x="0" y="0"/>
+          <a:chExt cx="0" cy="0"/>
+        </a:xfrm>
+      </p:grpSpPr>
+      <p:sp>
+        <p:nvSpPr>
+          <p:cNvPr id="281" name="Concluding Remarks"/>
+          <p:cNvSpPr txBox="1"/>
+          <p:nvPr>
+            <p:ph type="title"/>
+          </p:nvPr>
+        </p:nvSpPr>
+        <p:spPr>
+          <a:prstGeom prst="rect">
+            <a:avLst/>
+          </a:prstGeom>
+        </p:spPr>
+        <p:txBody>
+          <a:bodyPr/>
+          <a:lstStyle/>
+          <a:p>
+            <a:pPr/>
+            <a:r>
+              <a:t>Concluding Remarks</a:t>
+            </a:r>
+          </a:p>
+        </p:txBody>
+      </p:sp>
+      <p:sp>
+        <p:nvSpPr>
+          <p:cNvPr id="282" name="Fixed Effects (Within) Estimator can be a powerful tool…"/>
+          <p:cNvSpPr txBox="1"/>
+          <p:nvPr>
+            <p:ph type="body" idx="1"/>
+          </p:nvPr>
+        </p:nvSpPr>
+        <p:spPr>
+          <a:prstGeom prst="rect">
+            <a:avLst/>
+          </a:prstGeom>
+        </p:spPr>
+        <p:txBody>
+          <a:bodyPr/>
+          <a:lstStyle/>
+          <a:p>
+            <a:pPr marL="566927" indent="-566927" defTabSz="2267655">
+              <a:spcBef>
+                <a:spcPts val="4100"/>
+              </a:spcBef>
+              <a:defRPr sz="4464"/>
+            </a:pPr>
+            <a:r>
+              <a:t>Fixed Effects (Within) Estimator can be a powerful tool  </a:t>
+            </a:r>
+          </a:p>
+          <a:p>
+            <a:pPr marL="566927" indent="-566927" defTabSz="2267655">
+              <a:spcBef>
+                <a:spcPts val="4100"/>
+              </a:spcBef>
+              <a:defRPr sz="4464"/>
+            </a:pPr>
+            <a:r>
+              <a:t>May not be utilized enough in federal evaluations</a:t>
+            </a:r>
+          </a:p>
+          <a:p>
+            <a:pPr lvl="1" marL="1133855" indent="-566927" defTabSz="2267655">
+              <a:spcBef>
+                <a:spcPts val="4100"/>
+              </a:spcBef>
+              <a:defRPr sz="4464"/>
+            </a:pPr>
+            <a:r>
+              <a:t>Unlike PSM, fixed effects can control for some unobservable confounders</a:t>
+            </a:r>
+          </a:p>
+          <a:p>
+            <a:pPr marL="566927" indent="-566927" defTabSz="2267655">
+              <a:spcBef>
+                <a:spcPts val="4100"/>
+              </a:spcBef>
+              <a:defRPr sz="4464"/>
+            </a:pPr>
+            <a:r>
+              <a:t>As long as </a:t>
+            </a:r>
+          </a:p>
+          <a:p>
+            <a:pPr lvl="1" marL="1133855" indent="-566927" defTabSz="2267655">
+              <a:spcBef>
+                <a:spcPts val="4100"/>
+              </a:spcBef>
+              <a:defRPr sz="4464"/>
+            </a:pPr>
+            <a:r>
+              <a:t>1) There are no time-varying confounders, you have a straight-forward methodology that can identify the causal effect</a:t>
+            </a:r>
+          </a:p>
+          <a:p>
+            <a:pPr lvl="1" marL="1133855" indent="-566927" defTabSz="2267655">
+              <a:spcBef>
+                <a:spcPts val="4100"/>
+              </a:spcBef>
+              <a:defRPr sz="4464"/>
+            </a:pPr>
+            <a:r>
+              <a:t>2) There is no reverse causality</a:t>
+            </a:r>
+          </a:p>
+          <a:p>
+            <a:pPr lvl="2" marL="1700783" indent="-566927" defTabSz="2267655">
+              <a:spcBef>
+                <a:spcPts val="4100"/>
+              </a:spcBef>
+              <a:defRPr sz="4464"/>
+            </a:pPr>
+            <a:r>
+              <a:t>This will require an instrumental variable strategy</a:t>
             </a:r>
           </a:p>
         </p:txBody>
